--- a/Hansel-Gretel.pptx
+++ b/Hansel-Gretel.pptx
@@ -793,8 +793,8 @@
         </p:nvSpPr>
         <p:spPr>
           <a:xfrm>
-            <a:off x="1143225" y="685800"/>
-            <a:ext cx="4572225" cy="3429000"/>
+            <a:off x="381000" y="685800"/>
+            <a:ext cx="6096000" cy="3429000"/>
           </a:xfrm>
           <a:custGeom>
             <a:avLst/>
@@ -897,8 +897,8 @@
         </p:nvSpPr>
         <p:spPr>
           <a:xfrm>
-            <a:off x="1143225" y="685800"/>
-            <a:ext cx="4572225" cy="3429000"/>
+            <a:off x="381000" y="685800"/>
+            <a:ext cx="6096000" cy="3429000"/>
           </a:xfrm>
           <a:custGeom>
             <a:avLst/>
@@ -1001,8 +1001,8 @@
         </p:nvSpPr>
         <p:spPr>
           <a:xfrm>
-            <a:off x="1143225" y="685800"/>
-            <a:ext cx="4572225" cy="3429000"/>
+            <a:off x="381000" y="685800"/>
+            <a:ext cx="6096000" cy="3429000"/>
           </a:xfrm>
           <a:custGeom>
             <a:avLst/>
@@ -1525,8 +1525,8 @@
         </p:nvSpPr>
         <p:spPr>
           <a:xfrm>
-            <a:off x="1143225" y="685800"/>
-            <a:ext cx="4572225" cy="3429000"/>
+            <a:off x="381000" y="685800"/>
+            <a:ext cx="6096000" cy="3429000"/>
           </a:xfrm>
           <a:custGeom>
             <a:avLst/>
@@ -1837,8 +1837,8 @@
         </p:nvSpPr>
         <p:spPr>
           <a:xfrm>
-            <a:off x="1143225" y="685800"/>
-            <a:ext cx="4572225" cy="3429000"/>
+            <a:off x="381000" y="685800"/>
+            <a:ext cx="6096000" cy="3429000"/>
           </a:xfrm>
           <a:custGeom>
             <a:avLst/>
@@ -19297,10 +19297,10 @@
               <a:buNone/>
             </a:pPr>
             <a:r>
-              <a:rPr lang="en"/>
+              <a:rPr lang="en" dirty="0"/>
               <a:t>L’équipe</a:t>
             </a:r>
-            <a:endParaRPr/>
+            <a:endParaRPr dirty="0"/>
           </a:p>
         </p:txBody>
       </p:sp>
@@ -19601,7 +19601,7 @@
               <a:buNone/>
             </a:pPr>
             <a:r>
-              <a:rPr lang="en" sz="1400" b="1" i="0">
+              <a:rPr lang="en" sz="1400" b="1" i="0" dirty="0">
                 <a:solidFill>
                   <a:srgbClr val="010409"/>
                 </a:solidFill>
@@ -19615,7 +19615,7 @@
               </a:rPr>
               <a:t>Rafael Martellini</a:t>
             </a:r>
-            <a:endParaRPr sz="1400" b="1" i="0">
+            <a:endParaRPr sz="1400" b="1" i="0" dirty="0">
               <a:solidFill>
                 <a:srgbClr val="010409"/>
               </a:solidFill>
@@ -19639,7 +19639,7 @@
               <a:buNone/>
             </a:pPr>
             <a:r>
-              <a:rPr lang="en" sz="1200" i="1">
+              <a:rPr lang="en" sz="1200" i="1" dirty="0">
                 <a:solidFill>
                   <a:srgbClr val="010409"/>
                 </a:solidFill>
@@ -19649,7 +19649,7 @@
               </a:rPr>
               <a:t>Fonctionnalité:</a:t>
             </a:r>
-            <a:endParaRPr sz="1200" i="1">
+            <a:endParaRPr sz="1200" i="1" dirty="0">
               <a:solidFill>
                 <a:srgbClr val="010409"/>
               </a:solidFill>
@@ -19669,7 +19669,7 @@
               <a:buNone/>
             </a:pPr>
             <a:r>
-              <a:rPr lang="en" sz="1200">
+              <a:rPr lang="fr-FR" sz="1200" dirty="0">
                 <a:solidFill>
                   <a:srgbClr val="010409"/>
                 </a:solidFill>
@@ -19681,10 +19681,25 @@
                 <a:cs typeface="Arial"/>
                 <a:sym typeface="Arial"/>
               </a:rPr>
-              <a:t>Création des base du projet + modifications du code (améliorations pratiques / bugs) +</a:t>
+              <a:t>Bases</a:t>
             </a:r>
             <a:r>
-              <a:rPr lang="en" sz="1200">
+              <a:rPr lang="en" sz="1200" dirty="0">
+                <a:solidFill>
+                  <a:srgbClr val="010409"/>
+                </a:solidFill>
+                <a:highlight>
+                  <a:srgbClr val="FFFFFF"/>
+                </a:highlight>
+                <a:latin typeface="Arial"/>
+                <a:ea typeface="Arial"/>
+                <a:cs typeface="Arial"/>
+                <a:sym typeface="Arial"/>
+              </a:rPr>
+              <a:t> du projet + modifications du code (améliorations pratiques / bugs) +</a:t>
+            </a:r>
+            <a:r>
+              <a:rPr lang="en" sz="1200" dirty="0">
                 <a:solidFill>
                   <a:srgbClr val="010409"/>
                 </a:solidFill>
@@ -19695,7 +19710,7 @@
               <a:t> difficulté / score </a:t>
             </a:r>
             <a:r>
-              <a:rPr lang="en" sz="1200">
+              <a:rPr lang="en" sz="1200" dirty="0">
                 <a:solidFill>
                   <a:srgbClr val="010409"/>
                 </a:solidFill>
@@ -19709,7 +19724,7 @@
               </a:rPr>
               <a:t> </a:t>
             </a:r>
-            <a:endParaRPr sz="1200">
+            <a:endParaRPr sz="1200" dirty="0">
               <a:solidFill>
                 <a:schemeClr val="dk1"/>
               </a:solidFill>
@@ -19821,29 +19836,7 @@
                   <a:srgbClr val="FFFFFF"/>
                 </a:highlight>
               </a:rPr>
-              <a:t>Codage menu / plateformes / obstacles</a:t>
-            </a:r>
-          </a:p>
-          <a:p>
-            <a:pPr marL="0" marR="0" lvl="0" indent="0" algn="l" rtl="0">
-              <a:spcBef>
-                <a:spcPts val="0"/>
-              </a:spcBef>
-              <a:spcAft>
-                <a:spcPts val="0"/>
-              </a:spcAft>
-              <a:buNone/>
-            </a:pPr>
-            <a:r>
-              <a:rPr lang="en" sz="1200" dirty="0">
-                <a:solidFill>
-                  <a:srgbClr val="010409"/>
-                </a:solidFill>
-                <a:highlight>
-                  <a:srgbClr val="FFFFFF"/>
-                </a:highlight>
-              </a:rPr>
-              <a:t>Commentaires</a:t>
+              <a:t>Codage menu / plateformes / obstacles + commentaires</a:t>
             </a:r>
             <a:endParaRPr sz="1200" dirty="0">
               <a:solidFill>
